--- a/권혁준_피키캐스트분석.pptx
+++ b/권혁준_피키캐스트분석.pptx
@@ -254,7 +254,7 @@
           <a:p>
             <a:fld id="{EE40288F-3711-4F36-ABA5-1AAA737A46D3}" type="datetimeFigureOut">
               <a:rPr lang="ko-KR" altLang="en-US" smtClean="0"/>
-              <a:t>2016-07-11</a:t>
+              <a:t>2016-07-14</a:t>
             </a:fld>
             <a:endParaRPr lang="ko-KR" altLang="en-US"/>
           </a:p>
@@ -422,7 +422,7 @@
           <a:p>
             <a:fld id="{EE40288F-3711-4F36-ABA5-1AAA737A46D3}" type="datetimeFigureOut">
               <a:rPr lang="ko-KR" altLang="en-US" smtClean="0"/>
-              <a:t>2016-07-11</a:t>
+              <a:t>2016-07-14</a:t>
             </a:fld>
             <a:endParaRPr lang="ko-KR" altLang="en-US"/>
           </a:p>
@@ -600,7 +600,7 @@
           <a:p>
             <a:fld id="{EE40288F-3711-4F36-ABA5-1AAA737A46D3}" type="datetimeFigureOut">
               <a:rPr lang="ko-KR" altLang="en-US" smtClean="0"/>
-              <a:t>2016-07-11</a:t>
+              <a:t>2016-07-14</a:t>
             </a:fld>
             <a:endParaRPr lang="ko-KR" altLang="en-US"/>
           </a:p>
@@ -768,7 +768,7 @@
           <a:p>
             <a:fld id="{EE40288F-3711-4F36-ABA5-1AAA737A46D3}" type="datetimeFigureOut">
               <a:rPr lang="ko-KR" altLang="en-US" smtClean="0"/>
-              <a:t>2016-07-11</a:t>
+              <a:t>2016-07-14</a:t>
             </a:fld>
             <a:endParaRPr lang="ko-KR" altLang="en-US"/>
           </a:p>
@@ -1013,7 +1013,7 @@
           <a:p>
             <a:fld id="{EE40288F-3711-4F36-ABA5-1AAA737A46D3}" type="datetimeFigureOut">
               <a:rPr lang="ko-KR" altLang="en-US" smtClean="0"/>
-              <a:t>2016-07-11</a:t>
+              <a:t>2016-07-14</a:t>
             </a:fld>
             <a:endParaRPr lang="ko-KR" altLang="en-US"/>
           </a:p>
@@ -1242,7 +1242,7 @@
           <a:p>
             <a:fld id="{EE40288F-3711-4F36-ABA5-1AAA737A46D3}" type="datetimeFigureOut">
               <a:rPr lang="ko-KR" altLang="en-US" smtClean="0"/>
-              <a:t>2016-07-11</a:t>
+              <a:t>2016-07-14</a:t>
             </a:fld>
             <a:endParaRPr lang="ko-KR" altLang="en-US"/>
           </a:p>
@@ -1606,7 +1606,7 @@
           <a:p>
             <a:fld id="{EE40288F-3711-4F36-ABA5-1AAA737A46D3}" type="datetimeFigureOut">
               <a:rPr lang="ko-KR" altLang="en-US" smtClean="0"/>
-              <a:t>2016-07-11</a:t>
+              <a:t>2016-07-14</a:t>
             </a:fld>
             <a:endParaRPr lang="ko-KR" altLang="en-US"/>
           </a:p>
@@ -1723,7 +1723,7 @@
           <a:p>
             <a:fld id="{EE40288F-3711-4F36-ABA5-1AAA737A46D3}" type="datetimeFigureOut">
               <a:rPr lang="ko-KR" altLang="en-US" smtClean="0"/>
-              <a:t>2016-07-11</a:t>
+              <a:t>2016-07-14</a:t>
             </a:fld>
             <a:endParaRPr lang="ko-KR" altLang="en-US"/>
           </a:p>
@@ -1818,7 +1818,7 @@
           <a:p>
             <a:fld id="{EE40288F-3711-4F36-ABA5-1AAA737A46D3}" type="datetimeFigureOut">
               <a:rPr lang="ko-KR" altLang="en-US" smtClean="0"/>
-              <a:t>2016-07-11</a:t>
+              <a:t>2016-07-14</a:t>
             </a:fld>
             <a:endParaRPr lang="ko-KR" altLang="en-US"/>
           </a:p>
@@ -2093,7 +2093,7 @@
           <a:p>
             <a:fld id="{EE40288F-3711-4F36-ABA5-1AAA737A46D3}" type="datetimeFigureOut">
               <a:rPr lang="ko-KR" altLang="en-US" smtClean="0"/>
-              <a:t>2016-07-11</a:t>
+              <a:t>2016-07-14</a:t>
             </a:fld>
             <a:endParaRPr lang="ko-KR" altLang="en-US"/>
           </a:p>
@@ -2345,7 +2345,7 @@
           <a:p>
             <a:fld id="{EE40288F-3711-4F36-ABA5-1AAA737A46D3}" type="datetimeFigureOut">
               <a:rPr lang="ko-KR" altLang="en-US" smtClean="0"/>
-              <a:t>2016-07-11</a:t>
+              <a:t>2016-07-14</a:t>
             </a:fld>
             <a:endParaRPr lang="ko-KR" altLang="en-US"/>
           </a:p>
@@ -2556,7 +2556,7 @@
           <a:p>
             <a:fld id="{EE40288F-3711-4F36-ABA5-1AAA737A46D3}" type="datetimeFigureOut">
               <a:rPr lang="ko-KR" altLang="en-US" smtClean="0"/>
-              <a:t>2016-07-11</a:t>
+              <a:t>2016-07-14</a:t>
             </a:fld>
             <a:endParaRPr lang="ko-KR" altLang="en-US"/>
           </a:p>
@@ -2969,7 +2969,7 @@
         </p:nvSpPr>
         <p:spPr>
           <a:xfrm>
-            <a:off x="1802607" y="1659429"/>
+            <a:off x="1759744" y="1416541"/>
             <a:ext cx="965937" cy="482352"/>
           </a:xfrm>
           <a:prstGeom prst="roundRect">
@@ -3017,7 +3017,7 @@
         </p:nvSpPr>
         <p:spPr>
           <a:xfrm>
-            <a:off x="3833130" y="1654601"/>
+            <a:off x="3790267" y="1411713"/>
             <a:ext cx="1152128" cy="482352"/>
           </a:xfrm>
           <a:prstGeom prst="roundRect">
@@ -3065,7 +3065,7 @@
         </p:nvSpPr>
         <p:spPr>
           <a:xfrm>
-            <a:off x="5922455" y="1648556"/>
+            <a:off x="5879592" y="1405668"/>
             <a:ext cx="1152128" cy="482352"/>
           </a:xfrm>
           <a:prstGeom prst="roundRect">
@@ -3113,7 +3113,7 @@
         </p:nvSpPr>
         <p:spPr>
           <a:xfrm>
-            <a:off x="8061045" y="1640159"/>
+            <a:off x="8018182" y="1397271"/>
             <a:ext cx="1152128" cy="482352"/>
           </a:xfrm>
           <a:prstGeom prst="roundRect">
@@ -3157,7 +3157,7 @@
         </p:nvSpPr>
         <p:spPr>
           <a:xfrm>
-            <a:off x="3808302" y="2765794"/>
+            <a:off x="3765439" y="2522906"/>
             <a:ext cx="1152128" cy="482352"/>
           </a:xfrm>
           <a:prstGeom prst="roundRect">
@@ -3203,7 +3203,7 @@
         </p:nvSpPr>
         <p:spPr>
           <a:xfrm>
-            <a:off x="1839155" y="2796455"/>
+            <a:off x="1796292" y="2553567"/>
             <a:ext cx="1152128" cy="482352"/>
           </a:xfrm>
           <a:prstGeom prst="roundRect">
@@ -3249,7 +3249,7 @@
         </p:nvSpPr>
         <p:spPr>
           <a:xfrm>
-            <a:off x="5922455" y="2765794"/>
+            <a:off x="5879592" y="2522906"/>
             <a:ext cx="1152128" cy="482352"/>
           </a:xfrm>
           <a:prstGeom prst="roundRect">
@@ -3295,7 +3295,7 @@
         </p:nvSpPr>
         <p:spPr>
           <a:xfrm>
-            <a:off x="8061045" y="2765794"/>
+            <a:off x="8018182" y="2522906"/>
             <a:ext cx="1152128" cy="482352"/>
           </a:xfrm>
           <a:prstGeom prst="roundRect">
@@ -3341,7 +3341,7 @@
         </p:nvCxnSpPr>
         <p:spPr>
           <a:xfrm>
-            <a:off x="4382337" y="3841616"/>
+            <a:off x="4339474" y="3598728"/>
             <a:ext cx="0" cy="576064"/>
           </a:xfrm>
           <a:prstGeom prst="straightConnector1">
@@ -3374,7 +3374,7 @@
         </p:nvCxnSpPr>
         <p:spPr>
           <a:xfrm>
-            <a:off x="2283132" y="3841616"/>
+            <a:off x="2240269" y="3598728"/>
             <a:ext cx="0" cy="576064"/>
           </a:xfrm>
           <a:prstGeom prst="straightConnector1">
@@ -3407,7 +3407,7 @@
         </p:nvCxnSpPr>
         <p:spPr>
           <a:xfrm>
-            <a:off x="6497426" y="3837314"/>
+            <a:off x="6454563" y="3594426"/>
             <a:ext cx="0" cy="576064"/>
           </a:xfrm>
           <a:prstGeom prst="straightConnector1">
@@ -3440,7 +3440,7 @@
         </p:nvCxnSpPr>
         <p:spPr>
           <a:xfrm>
-            <a:off x="8729674" y="3837314"/>
+            <a:off x="8686811" y="3594426"/>
             <a:ext cx="0" cy="576064"/>
           </a:xfrm>
           <a:prstGeom prst="straightConnector1">
@@ -3473,7 +3473,7 @@
         </p:nvSpPr>
         <p:spPr>
           <a:xfrm>
-            <a:off x="1684577" y="4904338"/>
+            <a:off x="1641714" y="4661450"/>
             <a:ext cx="1306706" cy="612648"/>
           </a:xfrm>
           <a:prstGeom prst="flowChartDecision">
@@ -3514,7 +3514,7 @@
         </p:nvSpPr>
         <p:spPr>
           <a:xfrm>
-            <a:off x="5922455" y="4904338"/>
+            <a:off x="5879592" y="4661450"/>
             <a:ext cx="1306706" cy="612648"/>
           </a:xfrm>
           <a:prstGeom prst="flowChartDecision">
@@ -3555,7 +3555,7 @@
         </p:nvSpPr>
         <p:spPr>
           <a:xfrm>
-            <a:off x="3755841" y="4928569"/>
+            <a:off x="3712978" y="4685681"/>
             <a:ext cx="1306706" cy="612648"/>
           </a:xfrm>
           <a:prstGeom prst="flowChartDecision">
@@ -3596,7 +3596,7 @@
         </p:nvSpPr>
         <p:spPr>
           <a:xfrm>
-            <a:off x="7933775" y="4900689"/>
+            <a:off x="7890912" y="4657801"/>
             <a:ext cx="1306706" cy="612648"/>
           </a:xfrm>
           <a:prstGeom prst="flowChartDecision">
@@ -3637,7 +3637,7 @@
         </p:nvSpPr>
         <p:spPr>
           <a:xfrm>
-            <a:off x="1762212" y="5978075"/>
+            <a:off x="1719349" y="5735187"/>
             <a:ext cx="1018674" cy="613125"/>
           </a:xfrm>
           <a:prstGeom prst="rect">
@@ -3682,7 +3682,7 @@
         </p:nvSpPr>
         <p:spPr>
           <a:xfrm>
-            <a:off x="8094960" y="5978783"/>
+            <a:off x="8052097" y="5735895"/>
             <a:ext cx="1018674" cy="613125"/>
           </a:xfrm>
           <a:prstGeom prst="rect">
@@ -3731,7 +3731,7 @@
         </p:nvSpPr>
         <p:spPr>
           <a:xfrm>
-            <a:off x="3889104" y="5978075"/>
+            <a:off x="3846241" y="5735187"/>
             <a:ext cx="1018674" cy="613125"/>
           </a:xfrm>
           <a:prstGeom prst="rect">
@@ -3780,7 +3780,7 @@
         </p:nvSpPr>
         <p:spPr>
           <a:xfrm>
-            <a:off x="6001970" y="5986026"/>
+            <a:off x="5959107" y="5743138"/>
             <a:ext cx="1018674" cy="613125"/>
           </a:xfrm>
           <a:prstGeom prst="rect">
@@ -3829,7 +3829,7 @@
         </p:nvSpPr>
         <p:spPr>
           <a:xfrm>
-            <a:off x="1709511" y="1526728"/>
+            <a:off x="1666648" y="1283840"/>
             <a:ext cx="7673516" cy="753810"/>
           </a:xfrm>
           <a:prstGeom prst="rect">
@@ -3870,7 +3870,7 @@
         </p:nvSpPr>
         <p:spPr>
           <a:xfrm>
-            <a:off x="1709511" y="1202205"/>
+            <a:off x="1666648" y="959317"/>
             <a:ext cx="409086" cy="369332"/>
           </a:xfrm>
           <a:prstGeom prst="rect">
@@ -3900,7 +3900,7 @@
         </p:nvSpPr>
         <p:spPr>
           <a:xfrm>
-            <a:off x="1709511" y="2651276"/>
+            <a:off x="1666648" y="2408388"/>
             <a:ext cx="7673516" cy="753810"/>
           </a:xfrm>
           <a:prstGeom prst="rect">
@@ -3941,7 +3941,7 @@
         </p:nvSpPr>
         <p:spPr>
           <a:xfrm>
-            <a:off x="1709511" y="2326753"/>
+            <a:off x="1666648" y="2083865"/>
             <a:ext cx="646331" cy="369332"/>
           </a:xfrm>
           <a:prstGeom prst="rect">
@@ -3970,7 +3970,7 @@
         </p:nvSpPr>
         <p:spPr>
           <a:xfrm>
-            <a:off x="1709511" y="3732230"/>
+            <a:off x="1666648" y="3489342"/>
             <a:ext cx="7673516" cy="753810"/>
           </a:xfrm>
           <a:prstGeom prst="rect">
@@ -4011,7 +4011,7 @@
         </p:nvSpPr>
         <p:spPr>
           <a:xfrm>
-            <a:off x="1672890" y="3407707"/>
+            <a:off x="1630027" y="3164819"/>
             <a:ext cx="1107996" cy="369332"/>
           </a:xfrm>
           <a:prstGeom prst="rect">
@@ -4040,7 +4040,7 @@
         </p:nvSpPr>
         <p:spPr>
           <a:xfrm>
-            <a:off x="1721145" y="4830108"/>
+            <a:off x="1678282" y="4587220"/>
             <a:ext cx="7673516" cy="753810"/>
           </a:xfrm>
           <a:prstGeom prst="rect">
@@ -4081,7 +4081,7 @@
         </p:nvSpPr>
         <p:spPr>
           <a:xfrm>
-            <a:off x="1593081" y="4505585"/>
+            <a:off x="1550218" y="4262697"/>
             <a:ext cx="1107996" cy="369332"/>
           </a:xfrm>
           <a:prstGeom prst="rect">
@@ -4111,7 +4111,7 @@
         </p:nvSpPr>
         <p:spPr>
           <a:xfrm>
-            <a:off x="1707419" y="5896071"/>
+            <a:off x="1664556" y="5653183"/>
             <a:ext cx="7673516" cy="753810"/>
           </a:xfrm>
           <a:prstGeom prst="rect">
@@ -4152,7 +4152,7 @@
         </p:nvSpPr>
         <p:spPr>
           <a:xfrm>
-            <a:off x="1528874" y="5577733"/>
+            <a:off x="1486011" y="5334845"/>
             <a:ext cx="1733167" cy="369332"/>
           </a:xfrm>
           <a:prstGeom prst="rect">
@@ -4419,10 +4419,9 @@
           <a:p>
             <a:pPr algn="ctr"/>
             <a:r>
-              <a:rPr lang="ko-KR" altLang="en-US" sz="1200" b="1" dirty="0" smtClean="0"/>
+              <a:rPr lang="ko-KR" altLang="en-US" sz="1200" b="1" dirty="0"/>
               <a:t>회원가입</a:t>
             </a:r>
-            <a:endParaRPr lang="ko-KR" altLang="en-US" sz="1200" b="1" dirty="0"/>
           </a:p>
         </p:txBody>
       </p:sp>
@@ -4833,10 +4832,9 @@
           <a:p>
             <a:pPr algn="ctr"/>
             <a:r>
-              <a:rPr lang="ko-KR" altLang="en-US" sz="1200" b="1" dirty="0" smtClean="0"/>
+              <a:rPr lang="ko-KR" altLang="en-US" sz="1200" b="1" dirty="0"/>
               <a:t>회원가입</a:t>
             </a:r>
-            <a:endParaRPr lang="ko-KR" altLang="en-US" sz="1200" b="1" dirty="0"/>
           </a:p>
         </p:txBody>
       </p:sp>
